--- a/pertemuan_3/slide/D3-MRBJ-PRG.pptx
+++ b/pertemuan_3/slide/D3-MRBJ-PRG.pptx
@@ -4212,6 +4212,17 @@
             <a:r>
               <a:rPr lang="en-US"/>
               <a:t>Merapikan Struktur Direktori</a:t>
+            </a:r>
+            <a:endParaRPr lang="en-US"/>
+          </a:p>
+          <a:p>
+            <a:pPr>
+              <a:buFont typeface="Wingdings" panose="05000000000000000000" charset="0"/>
+              <a:buChar char="ü"/>
+            </a:pPr>
+            <a:r>
+              <a:rPr lang="en-US"/>
+              <a:t>Latihan melanjutkan pertemuan 2</a:t>
             </a:r>
             <a:endParaRPr lang="en-US"/>
           </a:p>
